--- a/主愛必堅固.pptx
+++ b/主愛必堅固.pptx
@@ -289,7 +289,8 @@
           <a:p>
             <a:fld id="{47A9D406-052F-4A10-9E46-1981B37A1123}" type="datetimeFigureOut">
               <a:rPr lang="zh-TW" altLang="en-US" smtClean="0"/>
-              <a:t>2019/9/7</a:t>
+              <a:pPr/>
+              <a:t>2019/9/29</a:t>
             </a:fld>
             <a:endParaRPr lang="zh-TW" altLang="en-US"/>
           </a:p>
@@ -331,6 +332,7 @@
           <a:p>
             <a:fld id="{AF2A01D5-0A6E-4F29-975C-248255FF8051}" type="slidenum">
               <a:rPr lang="zh-TW" altLang="en-US" smtClean="0"/>
+              <a:pPr/>
               <a:t>‹#›</a:t>
             </a:fld>
             <a:endParaRPr lang="zh-TW" altLang="en-US"/>
@@ -454,7 +456,8 @@
           <a:p>
             <a:fld id="{47A9D406-052F-4A10-9E46-1981B37A1123}" type="datetimeFigureOut">
               <a:rPr lang="zh-TW" altLang="en-US" smtClean="0"/>
-              <a:t>2019/9/7</a:t>
+              <a:pPr/>
+              <a:t>2019/9/29</a:t>
             </a:fld>
             <a:endParaRPr lang="zh-TW" altLang="en-US"/>
           </a:p>
@@ -496,6 +499,7 @@
           <a:p>
             <a:fld id="{AF2A01D5-0A6E-4F29-975C-248255FF8051}" type="slidenum">
               <a:rPr lang="zh-TW" altLang="en-US" smtClean="0"/>
+              <a:pPr/>
               <a:t>‹#›</a:t>
             </a:fld>
             <a:endParaRPr lang="zh-TW" altLang="en-US"/>
@@ -629,7 +633,8 @@
           <a:p>
             <a:fld id="{47A9D406-052F-4A10-9E46-1981B37A1123}" type="datetimeFigureOut">
               <a:rPr lang="zh-TW" altLang="en-US" smtClean="0"/>
-              <a:t>2019/9/7</a:t>
+              <a:pPr/>
+              <a:t>2019/9/29</a:t>
             </a:fld>
             <a:endParaRPr lang="zh-TW" altLang="en-US"/>
           </a:p>
@@ -671,6 +676,7 @@
           <a:p>
             <a:fld id="{AF2A01D5-0A6E-4F29-975C-248255FF8051}" type="slidenum">
               <a:rPr lang="zh-TW" altLang="en-US" smtClean="0"/>
+              <a:pPr/>
               <a:t>‹#›</a:t>
             </a:fld>
             <a:endParaRPr lang="zh-TW" altLang="en-US"/>
@@ -794,7 +800,8 @@
           <a:p>
             <a:fld id="{47A9D406-052F-4A10-9E46-1981B37A1123}" type="datetimeFigureOut">
               <a:rPr lang="zh-TW" altLang="en-US" smtClean="0"/>
-              <a:t>2019/9/7</a:t>
+              <a:pPr/>
+              <a:t>2019/9/29</a:t>
             </a:fld>
             <a:endParaRPr lang="zh-TW" altLang="en-US"/>
           </a:p>
@@ -836,6 +843,7 @@
           <a:p>
             <a:fld id="{AF2A01D5-0A6E-4F29-975C-248255FF8051}" type="slidenum">
               <a:rPr lang="zh-TW" altLang="en-US" smtClean="0"/>
+              <a:pPr/>
               <a:t>‹#›</a:t>
             </a:fld>
             <a:endParaRPr lang="zh-TW" altLang="en-US"/>
@@ -1035,7 +1043,8 @@
           <a:p>
             <a:fld id="{47A9D406-052F-4A10-9E46-1981B37A1123}" type="datetimeFigureOut">
               <a:rPr lang="zh-TW" altLang="en-US" smtClean="0"/>
-              <a:t>2019/9/7</a:t>
+              <a:pPr/>
+              <a:t>2019/9/29</a:t>
             </a:fld>
             <a:endParaRPr lang="zh-TW" altLang="en-US"/>
           </a:p>
@@ -1077,6 +1086,7 @@
           <a:p>
             <a:fld id="{AF2A01D5-0A6E-4F29-975C-248255FF8051}" type="slidenum">
               <a:rPr lang="zh-TW" altLang="en-US" smtClean="0"/>
+              <a:pPr/>
               <a:t>‹#›</a:t>
             </a:fld>
             <a:endParaRPr lang="zh-TW" altLang="en-US"/>
@@ -1318,7 +1328,8 @@
           <a:p>
             <a:fld id="{47A9D406-052F-4A10-9E46-1981B37A1123}" type="datetimeFigureOut">
               <a:rPr lang="zh-TW" altLang="en-US" smtClean="0"/>
-              <a:t>2019/9/7</a:t>
+              <a:pPr/>
+              <a:t>2019/9/29</a:t>
             </a:fld>
             <a:endParaRPr lang="zh-TW" altLang="en-US"/>
           </a:p>
@@ -1360,6 +1371,7 @@
           <a:p>
             <a:fld id="{AF2A01D5-0A6E-4F29-975C-248255FF8051}" type="slidenum">
               <a:rPr lang="zh-TW" altLang="en-US" smtClean="0"/>
+              <a:pPr/>
               <a:t>‹#›</a:t>
             </a:fld>
             <a:endParaRPr lang="zh-TW" altLang="en-US"/>
@@ -1735,7 +1747,8 @@
           <a:p>
             <a:fld id="{47A9D406-052F-4A10-9E46-1981B37A1123}" type="datetimeFigureOut">
               <a:rPr lang="zh-TW" altLang="en-US" smtClean="0"/>
-              <a:t>2019/9/7</a:t>
+              <a:pPr/>
+              <a:t>2019/9/29</a:t>
             </a:fld>
             <a:endParaRPr lang="zh-TW" altLang="en-US"/>
           </a:p>
@@ -1777,6 +1790,7 @@
           <a:p>
             <a:fld id="{AF2A01D5-0A6E-4F29-975C-248255FF8051}" type="slidenum">
               <a:rPr lang="zh-TW" altLang="en-US" smtClean="0"/>
+              <a:pPr/>
               <a:t>‹#›</a:t>
             </a:fld>
             <a:endParaRPr lang="zh-TW" altLang="en-US"/>
@@ -1848,7 +1862,8 @@
           <a:p>
             <a:fld id="{47A9D406-052F-4A10-9E46-1981B37A1123}" type="datetimeFigureOut">
               <a:rPr lang="zh-TW" altLang="en-US" smtClean="0"/>
-              <a:t>2019/9/7</a:t>
+              <a:pPr/>
+              <a:t>2019/9/29</a:t>
             </a:fld>
             <a:endParaRPr lang="zh-TW" altLang="en-US"/>
           </a:p>
@@ -1890,6 +1905,7 @@
           <a:p>
             <a:fld id="{AF2A01D5-0A6E-4F29-975C-248255FF8051}" type="slidenum">
               <a:rPr lang="zh-TW" altLang="en-US" smtClean="0"/>
+              <a:pPr/>
               <a:t>‹#›</a:t>
             </a:fld>
             <a:endParaRPr lang="zh-TW" altLang="en-US"/>
@@ -1938,7 +1954,8 @@
           <a:p>
             <a:fld id="{47A9D406-052F-4A10-9E46-1981B37A1123}" type="datetimeFigureOut">
               <a:rPr lang="zh-TW" altLang="en-US" smtClean="0"/>
-              <a:t>2019/9/7</a:t>
+              <a:pPr/>
+              <a:t>2019/9/29</a:t>
             </a:fld>
             <a:endParaRPr lang="zh-TW" altLang="en-US"/>
           </a:p>
@@ -1980,6 +1997,7 @@
           <a:p>
             <a:fld id="{AF2A01D5-0A6E-4F29-975C-248255FF8051}" type="slidenum">
               <a:rPr lang="zh-TW" altLang="en-US" smtClean="0"/>
+              <a:pPr/>
               <a:t>‹#›</a:t>
             </a:fld>
             <a:endParaRPr lang="zh-TW" altLang="en-US"/>
@@ -2210,7 +2228,8 @@
           <a:p>
             <a:fld id="{47A9D406-052F-4A10-9E46-1981B37A1123}" type="datetimeFigureOut">
               <a:rPr lang="zh-TW" altLang="en-US" smtClean="0"/>
-              <a:t>2019/9/7</a:t>
+              <a:pPr/>
+              <a:t>2019/9/29</a:t>
             </a:fld>
             <a:endParaRPr lang="zh-TW" altLang="en-US"/>
           </a:p>
@@ -2252,6 +2271,7 @@
           <a:p>
             <a:fld id="{AF2A01D5-0A6E-4F29-975C-248255FF8051}" type="slidenum">
               <a:rPr lang="zh-TW" altLang="en-US" smtClean="0"/>
+              <a:pPr/>
               <a:t>‹#›</a:t>
             </a:fld>
             <a:endParaRPr lang="zh-TW" altLang="en-US"/>
@@ -2462,7 +2482,8 @@
           <a:p>
             <a:fld id="{47A9D406-052F-4A10-9E46-1981B37A1123}" type="datetimeFigureOut">
               <a:rPr lang="zh-TW" altLang="en-US" smtClean="0"/>
-              <a:t>2019/9/7</a:t>
+              <a:pPr/>
+              <a:t>2019/9/29</a:t>
             </a:fld>
             <a:endParaRPr lang="zh-TW" altLang="en-US"/>
           </a:p>
@@ -2504,6 +2525,7 @@
           <a:p>
             <a:fld id="{AF2A01D5-0A6E-4F29-975C-248255FF8051}" type="slidenum">
               <a:rPr lang="zh-TW" altLang="en-US" smtClean="0"/>
+              <a:pPr/>
               <a:t>‹#›</a:t>
             </a:fld>
             <a:endParaRPr lang="zh-TW" altLang="en-US"/>
@@ -2675,7 +2697,8 @@
           <a:p>
             <a:fld id="{47A9D406-052F-4A10-9E46-1981B37A1123}" type="datetimeFigureOut">
               <a:rPr lang="zh-TW" altLang="en-US" smtClean="0"/>
-              <a:t>2019/9/7</a:t>
+              <a:pPr/>
+              <a:t>2019/9/29</a:t>
             </a:fld>
             <a:endParaRPr lang="zh-TW" altLang="en-US"/>
           </a:p>
@@ -2753,6 +2776,7 @@
           <a:p>
             <a:fld id="{AF2A01D5-0A6E-4F29-975C-248255FF8051}" type="slidenum">
               <a:rPr lang="zh-TW" altLang="en-US" smtClean="0"/>
+              <a:pPr/>
               <a:t>‹#›</a:t>
             </a:fld>
             <a:endParaRPr lang="zh-TW" altLang="en-US"/>
@@ -3122,14 +3146,28 @@
                 <a:latin typeface="Microsoft JhengHei" pitchFamily="34" charset="-120"/>
                 <a:ea typeface="Microsoft JhengHei" pitchFamily="34" charset="-120"/>
               </a:rPr>
-              <a:t>活</a:t>
+              <a:t>活水</a:t>
+            </a:r>
+            <a:r>
+              <a:rPr lang="zh-CN" altLang="en-US" sz="4800" b="1" dirty="0" smtClean="0">
+                <a:latin typeface="Microsoft JhengHei" pitchFamily="34" charset="-120"/>
+                <a:ea typeface="Microsoft JhengHei" pitchFamily="34" charset="-120"/>
+              </a:rPr>
+              <a:t>匆匆</a:t>
             </a:r>
             <a:r>
               <a:rPr lang="zh-TW" altLang="en-US" sz="4800" b="1" dirty="0" smtClean="0">
                 <a:latin typeface="Microsoft JhengHei" pitchFamily="34" charset="-120"/>
                 <a:ea typeface="Microsoft JhengHei" pitchFamily="34" charset="-120"/>
               </a:rPr>
-              <a:t>水淙淙湧流</a:t>
+              <a:t>湧</a:t>
+            </a:r>
+            <a:r>
+              <a:rPr lang="zh-TW" altLang="en-US" sz="4800" b="1" dirty="0" smtClean="0">
+                <a:latin typeface="Microsoft JhengHei" pitchFamily="34" charset="-120"/>
+                <a:ea typeface="Microsoft JhengHei" pitchFamily="34" charset="-120"/>
+              </a:rPr>
+              <a:t>流</a:t>
             </a:r>
           </a:p>
           <a:p>
@@ -3157,21 +3195,7 @@
                 <a:latin typeface="Microsoft JhengHei" pitchFamily="34" charset="-120"/>
                 <a:ea typeface="Microsoft JhengHei" pitchFamily="34" charset="-120"/>
               </a:rPr>
-              <a:t>憐</a:t>
-            </a:r>
-            <a:r>
-              <a:rPr lang="zh-TW" altLang="en-US" sz="4800" b="1" dirty="0" smtClean="0">
-                <a:latin typeface="Microsoft JhengHei" pitchFamily="34" charset="-120"/>
-                <a:ea typeface="Microsoft JhengHei" pitchFamily="34" charset="-120"/>
-              </a:rPr>
-              <a:t>憫沒變</a:t>
-            </a:r>
-            <a:r>
-              <a:rPr lang="zh-TW" altLang="en-US" sz="4800" b="1" dirty="0" smtClean="0">
-                <a:latin typeface="Microsoft JhengHei" pitchFamily="34" charset="-120"/>
-                <a:ea typeface="Microsoft JhengHei" pitchFamily="34" charset="-120"/>
-              </a:rPr>
-              <a:t>遷</a:t>
+              <a:t>憐憫沒變遷</a:t>
             </a:r>
             <a:endParaRPr lang="en-US" altLang="zh-TW" sz="4800" b="1" dirty="0" smtClean="0">
               <a:latin typeface="Microsoft JhengHei" pitchFamily="34" charset="-120"/>
@@ -3266,63 +3290,35 @@
                 <a:latin typeface="Microsoft JhengHei" pitchFamily="34" charset="-120"/>
                 <a:ea typeface="Microsoft JhengHei" pitchFamily="34" charset="-120"/>
               </a:rPr>
-              <a:t>永</a:t>
-            </a:r>
+              <a:t>永遠都不會動搖  </a:t>
+            </a:r>
+            <a:endParaRPr lang="en-US" altLang="zh-TW" sz="4800" b="1" dirty="0">
+              <a:latin typeface="Microsoft JhengHei" pitchFamily="34" charset="-120"/>
+              <a:ea typeface="Microsoft JhengHei" pitchFamily="34" charset="-120"/>
+            </a:endParaRPr>
+          </a:p>
+          <a:p>
+            <a:pPr algn="ctr">
+              <a:buNone/>
+            </a:pPr>
             <a:r>
               <a:rPr lang="zh-TW" altLang="en-US" sz="4800" b="1" dirty="0">
                 <a:latin typeface="Microsoft JhengHei" pitchFamily="34" charset="-120"/>
                 <a:ea typeface="Microsoft JhengHei" pitchFamily="34" charset="-120"/>
               </a:rPr>
-              <a:t>遠都不會</a:t>
-            </a:r>
+              <a:t>始終不轉變</a:t>
+            </a:r>
+          </a:p>
+          <a:p>
+            <a:pPr algn="ctr">
+              <a:buNone/>
+            </a:pPr>
             <a:r>
               <a:rPr lang="zh-TW" altLang="en-US" sz="4800" b="1" dirty="0">
                 <a:latin typeface="Microsoft JhengHei" pitchFamily="34" charset="-120"/>
                 <a:ea typeface="Microsoft JhengHei" pitchFamily="34" charset="-120"/>
               </a:rPr>
-              <a:t>動搖  </a:t>
-            </a:r>
-            <a:endParaRPr lang="en-US" altLang="zh-TW" sz="4800" b="1" dirty="0">
-              <a:latin typeface="Microsoft JhengHei" pitchFamily="34" charset="-120"/>
-              <a:ea typeface="Microsoft JhengHei" pitchFamily="34" charset="-120"/>
-            </a:endParaRPr>
-          </a:p>
-          <a:p>
-            <a:pPr algn="ctr">
-              <a:buNone/>
-            </a:pPr>
-            <a:r>
-              <a:rPr lang="zh-TW" altLang="en-US" sz="4800" b="1" dirty="0">
-                <a:latin typeface="Microsoft JhengHei" pitchFamily="34" charset="-120"/>
-                <a:ea typeface="Microsoft JhengHei" pitchFamily="34" charset="-120"/>
-              </a:rPr>
-              <a:t>始終</a:t>
-            </a:r>
-            <a:r>
-              <a:rPr lang="zh-TW" altLang="en-US" sz="4800" b="1" dirty="0">
-                <a:latin typeface="Microsoft JhengHei" pitchFamily="34" charset="-120"/>
-                <a:ea typeface="Microsoft JhengHei" pitchFamily="34" charset="-120"/>
-              </a:rPr>
-              <a:t>不轉變</a:t>
-            </a:r>
-          </a:p>
-          <a:p>
-            <a:pPr algn="ctr">
-              <a:buNone/>
-            </a:pPr>
-            <a:r>
-              <a:rPr lang="zh-TW" altLang="en-US" sz="4800" b="1" dirty="0">
-                <a:latin typeface="Microsoft JhengHei" pitchFamily="34" charset="-120"/>
-                <a:ea typeface="Microsoft JhengHei" pitchFamily="34" charset="-120"/>
-              </a:rPr>
-              <a:t>恩主的信實似高</a:t>
-            </a:r>
-            <a:r>
-              <a:rPr lang="zh-TW" altLang="en-US" sz="4800" b="1" dirty="0">
-                <a:latin typeface="Microsoft JhengHei" pitchFamily="34" charset="-120"/>
-                <a:ea typeface="Microsoft JhengHei" pitchFamily="34" charset="-120"/>
-              </a:rPr>
-              <a:t>天</a:t>
+              <a:t>恩主的信實似高天</a:t>
             </a:r>
             <a:endParaRPr lang="en-US" altLang="zh-TW" sz="4800" b="1" dirty="0">
               <a:latin typeface="Microsoft JhengHei" pitchFamily="34" charset="-120"/>
@@ -3340,17 +3336,13 @@
               </a:rPr>
               <a:t>深恩廣闊萬里</a:t>
             </a:r>
-            <a:endParaRPr lang="zh-TW" altLang="en-US" sz="4800" b="1" dirty="0">
-              <a:latin typeface="Microsoft JhengHei" pitchFamily="34" charset="-120"/>
-              <a:ea typeface="Microsoft JhengHei" pitchFamily="34" charset="-120"/>
-            </a:endParaRPr>
           </a:p>
         </p:txBody>
       </p:sp>
     </p:spTree>
     <p:extLst>
       <p:ext uri="{BB962C8B-B14F-4D97-AF65-F5344CB8AC3E}">
-        <p14:creationId xmlns:p14="http://schemas.microsoft.com/office/powerpoint/2010/main" val="3934286399"/>
+        <p14:creationId xmlns:p14="http://schemas.microsoft.com/office/powerpoint/2010/main" xmlns="" val="3934286399"/>
       </p:ext>
     </p:extLst>
   </p:cSld>

--- a/主愛必堅固.pptx
+++ b/主愛必堅固.pptx
@@ -5,8 +5,10 @@
     <p:sldMasterId id="2147483684" r:id="rId1"/>
   </p:sldMasterIdLst>
   <p:sldIdLst>
-    <p:sldId id="256" r:id="rId2"/>
-    <p:sldId id="257" r:id="rId3"/>
+    <p:sldId id="258" r:id="rId2"/>
+    <p:sldId id="259" r:id="rId3"/>
+    <p:sldId id="260" r:id="rId4"/>
+    <p:sldId id="261" r:id="rId5"/>
   </p:sldIdLst>
   <p:sldSz cx="9144000" cy="5143500" type="screen16x9"/>
   <p:notesSz cx="6858000" cy="9144000"/>
@@ -105,6 +107,22 @@
       </a:defRPr>
     </a:lvl9pPr>
   </p:defaultTextStyle>
+  <p:extLst>
+    <p:ext uri="{EFAFB233-063F-42B5-8137-9DF3F51BA10A}">
+      <p15:sldGuideLst xmlns:p15="http://schemas.microsoft.com/office/powerpoint/2012/main">
+        <p15:guide id="1" orient="horz" pos="1620">
+          <p15:clr>
+            <a:srgbClr val="A4A3A4"/>
+          </p15:clr>
+        </p15:guide>
+        <p15:guide id="2" pos="2880">
+          <p15:clr>
+            <a:srgbClr val="A4A3A4"/>
+          </p15:clr>
+        </p15:guide>
+      </p15:sldGuideLst>
+    </p:ext>
+  </p:extLst>
 </p:presentation>
 </file>
 
@@ -290,7 +308,7 @@
             <a:fld id="{47A9D406-052F-4A10-9E46-1981B37A1123}" type="datetimeFigureOut">
               <a:rPr lang="zh-TW" altLang="en-US" smtClean="0"/>
               <a:pPr/>
-              <a:t>2019/9/29</a:t>
+              <a:t>2021/12/30</a:t>
             </a:fld>
             <a:endParaRPr lang="zh-TW" altLang="en-US"/>
           </a:p>
@@ -457,7 +475,7 @@
             <a:fld id="{47A9D406-052F-4A10-9E46-1981B37A1123}" type="datetimeFigureOut">
               <a:rPr lang="zh-TW" altLang="en-US" smtClean="0"/>
               <a:pPr/>
-              <a:t>2019/9/29</a:t>
+              <a:t>2021/12/30</a:t>
             </a:fld>
             <a:endParaRPr lang="zh-TW" altLang="en-US"/>
           </a:p>
@@ -634,7 +652,7 @@
             <a:fld id="{47A9D406-052F-4A10-9E46-1981B37A1123}" type="datetimeFigureOut">
               <a:rPr lang="zh-TW" altLang="en-US" smtClean="0"/>
               <a:pPr/>
-              <a:t>2019/9/29</a:t>
+              <a:t>2021/12/30</a:t>
             </a:fld>
             <a:endParaRPr lang="zh-TW" altLang="en-US"/>
           </a:p>
@@ -801,7 +819,7 @@
             <a:fld id="{47A9D406-052F-4A10-9E46-1981B37A1123}" type="datetimeFigureOut">
               <a:rPr lang="zh-TW" altLang="en-US" smtClean="0"/>
               <a:pPr/>
-              <a:t>2019/9/29</a:t>
+              <a:t>2021/12/30</a:t>
             </a:fld>
             <a:endParaRPr lang="zh-TW" altLang="en-US"/>
           </a:p>
@@ -1044,7 +1062,7 @@
             <a:fld id="{47A9D406-052F-4A10-9E46-1981B37A1123}" type="datetimeFigureOut">
               <a:rPr lang="zh-TW" altLang="en-US" smtClean="0"/>
               <a:pPr/>
-              <a:t>2019/9/29</a:t>
+              <a:t>2021/12/30</a:t>
             </a:fld>
             <a:endParaRPr lang="zh-TW" altLang="en-US"/>
           </a:p>
@@ -1329,7 +1347,7 @@
             <a:fld id="{47A9D406-052F-4A10-9E46-1981B37A1123}" type="datetimeFigureOut">
               <a:rPr lang="zh-TW" altLang="en-US" smtClean="0"/>
               <a:pPr/>
-              <a:t>2019/9/29</a:t>
+              <a:t>2021/12/30</a:t>
             </a:fld>
             <a:endParaRPr lang="zh-TW" altLang="en-US"/>
           </a:p>
@@ -1748,7 +1766,7 @@
             <a:fld id="{47A9D406-052F-4A10-9E46-1981B37A1123}" type="datetimeFigureOut">
               <a:rPr lang="zh-TW" altLang="en-US" smtClean="0"/>
               <a:pPr/>
-              <a:t>2019/9/29</a:t>
+              <a:t>2021/12/30</a:t>
             </a:fld>
             <a:endParaRPr lang="zh-TW" altLang="en-US"/>
           </a:p>
@@ -1863,7 +1881,7 @@
             <a:fld id="{47A9D406-052F-4A10-9E46-1981B37A1123}" type="datetimeFigureOut">
               <a:rPr lang="zh-TW" altLang="en-US" smtClean="0"/>
               <a:pPr/>
-              <a:t>2019/9/29</a:t>
+              <a:t>2021/12/30</a:t>
             </a:fld>
             <a:endParaRPr lang="zh-TW" altLang="en-US"/>
           </a:p>
@@ -1955,7 +1973,7 @@
             <a:fld id="{47A9D406-052F-4A10-9E46-1981B37A1123}" type="datetimeFigureOut">
               <a:rPr lang="zh-TW" altLang="en-US" smtClean="0"/>
               <a:pPr/>
-              <a:t>2019/9/29</a:t>
+              <a:t>2021/12/30</a:t>
             </a:fld>
             <a:endParaRPr lang="zh-TW" altLang="en-US"/>
           </a:p>
@@ -2229,7 +2247,7 @@
             <a:fld id="{47A9D406-052F-4A10-9E46-1981B37A1123}" type="datetimeFigureOut">
               <a:rPr lang="zh-TW" altLang="en-US" smtClean="0"/>
               <a:pPr/>
-              <a:t>2019/9/29</a:t>
+              <a:t>2021/12/30</a:t>
             </a:fld>
             <a:endParaRPr lang="zh-TW" altLang="en-US"/>
           </a:p>
@@ -2483,7 +2501,7 @@
             <a:fld id="{47A9D406-052F-4A10-9E46-1981B37A1123}" type="datetimeFigureOut">
               <a:rPr lang="zh-TW" altLang="en-US" smtClean="0"/>
               <a:pPr/>
-              <a:t>2019/9/29</a:t>
+              <a:t>2021/12/30</a:t>
             </a:fld>
             <a:endParaRPr lang="zh-TW" altLang="en-US"/>
           </a:p>
@@ -2698,7 +2716,7 @@
             <a:fld id="{47A9D406-052F-4A10-9E46-1981B37A1123}" type="datetimeFigureOut">
               <a:rPr lang="zh-TW" altLang="en-US" smtClean="0"/>
               <a:pPr/>
-              <a:t>2019/9/29</a:t>
+              <a:t>2021/12/30</a:t>
             </a:fld>
             <a:endParaRPr lang="zh-TW" altLang="en-US"/>
           </a:p>
@@ -3079,41 +3097,10 @@
             <p:ph type="title"/>
           </p:nvPr>
         </p:nvSpPr>
-        <p:spPr/>
-        <p:txBody>
-          <a:bodyPr>
-            <a:normAutofit/>
-          </a:bodyPr>
-          <a:lstStyle/>
-          <a:p>
-            <a:r>
-              <a:rPr lang="zh-CN" altLang="en-US" sz="4000" b="1" dirty="0" smtClean="0">
-                <a:latin typeface="Microsoft JhengHei" pitchFamily="34" charset="-120"/>
-                <a:ea typeface="Microsoft JhengHei" pitchFamily="34" charset="-120"/>
-              </a:rPr>
-              <a:t>主愛必堅固</a:t>
-            </a:r>
-            <a:endParaRPr lang="zh-TW" altLang="en-US" sz="4000" b="1" dirty="0">
-              <a:latin typeface="Microsoft JhengHei" pitchFamily="34" charset="-120"/>
-              <a:ea typeface="Microsoft JhengHei" pitchFamily="34" charset="-120"/>
-            </a:endParaRPr>
-          </a:p>
-        </p:txBody>
-      </p:sp>
-      <p:sp>
-        <p:nvSpPr>
-          <p:cNvPr id="5" name="內容版面配置區 4"/>
-          <p:cNvSpPr>
-            <a:spLocks noGrp="1"/>
-          </p:cNvSpPr>
-          <p:nvPr>
-            <p:ph idx="1"/>
-          </p:nvPr>
-        </p:nvSpPr>
         <p:spPr>
           <a:xfrm>
-            <a:off x="0" y="1200150"/>
-            <a:ext cx="9144000" cy="3943350"/>
+            <a:off x="0" y="1995686"/>
+            <a:ext cx="9144000" cy="857250"/>
           </a:xfrm>
         </p:spPr>
         <p:txBody>
@@ -3122,89 +3109,63 @@
           </a:bodyPr>
           <a:lstStyle/>
           <a:p>
-            <a:pPr algn="ctr">
-              <a:buNone/>
-            </a:pPr>
-            <a:r>
-              <a:rPr lang="zh-TW" altLang="en-US" sz="4800" b="1" dirty="0" smtClean="0">
-                <a:latin typeface="Microsoft JhengHei" pitchFamily="34" charset="-120"/>
-                <a:ea typeface="Microsoft JhengHei" pitchFamily="34" charset="-120"/>
+            <a:r>
+              <a:rPr lang="zh-CN" altLang="en-US" sz="5400" b="1" i="1" dirty="0">
+                <a:solidFill>
+                  <a:srgbClr val="660033"/>
+                </a:solidFill>
+                <a:effectLst>
+                  <a:outerShdw blurRad="38100" dist="38100" dir="2700000" algn="tl">
+                    <a:srgbClr val="000000">
+                      <a:alpha val="43137"/>
+                    </a:srgbClr>
+                  </a:outerShdw>
+                </a:effectLst>
+                <a:latin typeface="微軟正黑體" pitchFamily="34" charset="-120"/>
+                <a:ea typeface="微軟正黑體" pitchFamily="34" charset="-120"/>
               </a:rPr>
-              <a:t>神愛滔滔  </a:t>
-            </a:r>
-            <a:endParaRPr lang="en-US" altLang="zh-TW" sz="4800" b="1" dirty="0" smtClean="0">
-              <a:latin typeface="Microsoft JhengHei" pitchFamily="34" charset="-120"/>
-              <a:ea typeface="Microsoft JhengHei" pitchFamily="34" charset="-120"/>
+              <a:t>主</a:t>
+            </a:r>
+            <a:r>
+              <a:rPr lang="zh-CN" altLang="en-US" sz="5400" b="1" i="1" dirty="0">
+                <a:solidFill>
+                  <a:srgbClr val="660033"/>
+                </a:solidFill>
+                <a:effectLst>
+                  <a:outerShdw blurRad="38100" dist="38100" dir="2700000" algn="tl">
+                    <a:srgbClr val="000000">
+                      <a:alpha val="43137"/>
+                    </a:srgbClr>
+                  </a:outerShdw>
+                </a:effectLst>
+                <a:latin typeface="微軟正黑體" pitchFamily="34" charset="-120"/>
+                <a:ea typeface="微軟正黑體" pitchFamily="34" charset="-120"/>
+              </a:rPr>
+              <a:t>愛必堅固</a:t>
+            </a:r>
+            <a:endParaRPr lang="zh-TW" altLang="en-US" sz="5400" b="1" i="1" dirty="0">
+              <a:solidFill>
+                <a:srgbClr val="660033"/>
+              </a:solidFill>
+              <a:effectLst>
+                <a:outerShdw blurRad="38100" dist="38100" dir="2700000" algn="tl">
+                  <a:srgbClr val="000000">
+                    <a:alpha val="43137"/>
+                  </a:srgbClr>
+                </a:outerShdw>
+              </a:effectLst>
+              <a:latin typeface="微軟正黑體" pitchFamily="34" charset="-120"/>
+              <a:ea typeface="微軟正黑體" pitchFamily="34" charset="-120"/>
             </a:endParaRPr>
           </a:p>
-          <a:p>
-            <a:pPr algn="ctr">
-              <a:buNone/>
-            </a:pPr>
-            <a:r>
-              <a:rPr lang="zh-TW" altLang="en-US" sz="4800" b="1" dirty="0" smtClean="0">
-                <a:latin typeface="Microsoft JhengHei" pitchFamily="34" charset="-120"/>
-                <a:ea typeface="Microsoft JhengHei" pitchFamily="34" charset="-120"/>
-              </a:rPr>
-              <a:t>活水</a:t>
-            </a:r>
-            <a:r>
-              <a:rPr lang="zh-CN" altLang="en-US" sz="4800" b="1" dirty="0" smtClean="0">
-                <a:latin typeface="Microsoft JhengHei" pitchFamily="34" charset="-120"/>
-                <a:ea typeface="Microsoft JhengHei" pitchFamily="34" charset="-120"/>
-              </a:rPr>
-              <a:t>匆匆</a:t>
-            </a:r>
-            <a:r>
-              <a:rPr lang="zh-TW" altLang="en-US" sz="4800" b="1" dirty="0" smtClean="0">
-                <a:latin typeface="Microsoft JhengHei" pitchFamily="34" charset="-120"/>
-                <a:ea typeface="Microsoft JhengHei" pitchFamily="34" charset="-120"/>
-              </a:rPr>
-              <a:t>湧</a:t>
-            </a:r>
-            <a:r>
-              <a:rPr lang="zh-TW" altLang="en-US" sz="4800" b="1" dirty="0" smtClean="0">
-                <a:latin typeface="Microsoft JhengHei" pitchFamily="34" charset="-120"/>
-                <a:ea typeface="Microsoft JhengHei" pitchFamily="34" charset="-120"/>
-              </a:rPr>
-              <a:t>流</a:t>
-            </a:r>
-          </a:p>
-          <a:p>
-            <a:pPr algn="ctr">
-              <a:buNone/>
-            </a:pPr>
-            <a:r>
-              <a:rPr lang="zh-TW" altLang="en-US" sz="4800" b="1" dirty="0" smtClean="0">
-                <a:latin typeface="Microsoft JhengHei" pitchFamily="34" charset="-120"/>
-                <a:ea typeface="Microsoft JhengHei" pitchFamily="34" charset="-120"/>
-              </a:rPr>
-              <a:t>神愛無限  </a:t>
-            </a:r>
-            <a:endParaRPr lang="en-US" altLang="zh-TW" sz="4800" b="1" dirty="0" smtClean="0">
-              <a:latin typeface="Microsoft JhengHei" pitchFamily="34" charset="-120"/>
-              <a:ea typeface="Microsoft JhengHei" pitchFamily="34" charset="-120"/>
-            </a:endParaRPr>
-          </a:p>
-          <a:p>
-            <a:pPr algn="ctr">
-              <a:buNone/>
-            </a:pPr>
-            <a:r>
-              <a:rPr lang="zh-TW" altLang="en-US" sz="4800" b="1" dirty="0" smtClean="0">
-                <a:latin typeface="Microsoft JhengHei" pitchFamily="34" charset="-120"/>
-                <a:ea typeface="Microsoft JhengHei" pitchFamily="34" charset="-120"/>
-              </a:rPr>
-              <a:t>憐憫沒變遷</a:t>
-            </a:r>
-            <a:endParaRPr lang="en-US" altLang="zh-TW" sz="4800" b="1" dirty="0" smtClean="0">
-              <a:latin typeface="Microsoft JhengHei" pitchFamily="34" charset="-120"/>
-              <a:ea typeface="Microsoft JhengHei" pitchFamily="34" charset="-120"/>
-            </a:endParaRPr>
-          </a:p>
         </p:txBody>
       </p:sp>
     </p:spTree>
+    <p:extLst>
+      <p:ext uri="{BB962C8B-B14F-4D97-AF65-F5344CB8AC3E}">
+        <p14:creationId xmlns:p14="http://schemas.microsoft.com/office/powerpoint/2010/main" val="245223155"/>
+      </p:ext>
+    </p:extLst>
   </p:cSld>
   <p:clrMapOvr>
     <a:masterClrMapping/>
@@ -3231,118 +3192,308 @@
       </p:grpSpPr>
       <p:sp>
         <p:nvSpPr>
-          <p:cNvPr id="4" name="標題 3"/>
-          <p:cNvSpPr>
-            <a:spLocks noGrp="1"/>
-          </p:cNvSpPr>
-          <p:nvPr>
-            <p:ph type="title"/>
-          </p:nvPr>
-        </p:nvSpPr>
-        <p:spPr/>
-        <p:txBody>
-          <a:bodyPr>
+          <p:cNvPr id="5" name="內容版面配置區 4"/>
+          <p:cNvSpPr>
+            <a:spLocks noGrp="1"/>
+          </p:cNvSpPr>
+          <p:nvPr>
+            <p:ph idx="1"/>
+          </p:nvPr>
+        </p:nvSpPr>
+        <p:spPr>
+          <a:xfrm>
+            <a:off x="0" y="1563639"/>
+            <a:ext cx="9144000" cy="1803647"/>
+          </a:xfrm>
+        </p:spPr>
+        <p:txBody>
+          <a:bodyPr anchor="ctr">
             <a:normAutofit/>
           </a:bodyPr>
           <a:lstStyle/>
           <a:p>
-            <a:r>
-              <a:rPr lang="zh-CN" altLang="en-US" sz="4000" b="1" dirty="0">
-                <a:latin typeface="Microsoft JhengHei" pitchFamily="34" charset="-120"/>
-                <a:ea typeface="Microsoft JhengHei" pitchFamily="34" charset="-120"/>
+            <a:pPr algn="ctr">
+              <a:buNone/>
+            </a:pPr>
+            <a:r>
+              <a:rPr lang="zh-TW" altLang="en-US" sz="4800" b="1" dirty="0">
+                <a:solidFill>
+                  <a:srgbClr val="660033"/>
+                </a:solidFill>
+                <a:latin typeface="微軟正黑體" pitchFamily="34" charset="-120"/>
+                <a:ea typeface="微軟正黑體" pitchFamily="34" charset="-120"/>
               </a:rPr>
-              <a:t>主愛必堅固</a:t>
-            </a:r>
-            <a:endParaRPr lang="zh-TW" altLang="en-US" sz="4000" b="1" dirty="0">
-              <a:latin typeface="Microsoft JhengHei" pitchFamily="34" charset="-120"/>
-              <a:ea typeface="Microsoft JhengHei" pitchFamily="34" charset="-120"/>
+              <a:t>神愛滔滔  </a:t>
+            </a:r>
+            <a:r>
+              <a:rPr lang="zh-TW" altLang="en-US" sz="4800" b="1" dirty="0">
+                <a:solidFill>
+                  <a:srgbClr val="660033"/>
+                </a:solidFill>
+                <a:latin typeface="微軟正黑體" pitchFamily="34" charset="-120"/>
+                <a:ea typeface="微軟正黑體" pitchFamily="34" charset="-120"/>
+              </a:rPr>
+              <a:t>活</a:t>
+            </a:r>
+            <a:r>
+              <a:rPr lang="zh-TW" altLang="en-US" sz="4800" b="1" dirty="0">
+                <a:solidFill>
+                  <a:srgbClr val="660033"/>
+                </a:solidFill>
+                <a:latin typeface="微軟正黑體" pitchFamily="34" charset="-120"/>
+                <a:ea typeface="微軟正黑體" pitchFamily="34" charset="-120"/>
+              </a:rPr>
+              <a:t>水</a:t>
+            </a:r>
+            <a:r>
+              <a:rPr lang="zh-CN" altLang="en-US" sz="4800" b="1" dirty="0">
+                <a:solidFill>
+                  <a:srgbClr val="660033"/>
+                </a:solidFill>
+                <a:latin typeface="微軟正黑體" pitchFamily="34" charset="-120"/>
+                <a:ea typeface="微軟正黑體" pitchFamily="34" charset="-120"/>
+              </a:rPr>
+              <a:t>匆匆</a:t>
+            </a:r>
+            <a:r>
+              <a:rPr lang="zh-TW" altLang="en-US" sz="4800" b="1" dirty="0">
+                <a:solidFill>
+                  <a:srgbClr val="660033"/>
+                </a:solidFill>
+                <a:latin typeface="微軟正黑體" pitchFamily="34" charset="-120"/>
+                <a:ea typeface="微軟正黑體" pitchFamily="34" charset="-120"/>
+              </a:rPr>
+              <a:t>湧流</a:t>
+            </a:r>
+          </a:p>
+          <a:p>
+            <a:pPr algn="ctr">
+              <a:buNone/>
+            </a:pPr>
+            <a:r>
+              <a:rPr lang="zh-TW" altLang="en-US" sz="4800" b="1" dirty="0">
+                <a:solidFill>
+                  <a:srgbClr val="660033"/>
+                </a:solidFill>
+                <a:latin typeface="微軟正黑體" pitchFamily="34" charset="-120"/>
+                <a:ea typeface="微軟正黑體" pitchFamily="34" charset="-120"/>
+              </a:rPr>
+              <a:t>神愛無限  </a:t>
+            </a:r>
+            <a:r>
+              <a:rPr lang="zh-TW" altLang="en-US" sz="4800" b="1" dirty="0">
+                <a:solidFill>
+                  <a:srgbClr val="660033"/>
+                </a:solidFill>
+                <a:latin typeface="微軟正黑體" pitchFamily="34" charset="-120"/>
+                <a:ea typeface="微軟正黑體" pitchFamily="34" charset="-120"/>
+              </a:rPr>
+              <a:t>憐</a:t>
+            </a:r>
+            <a:r>
+              <a:rPr lang="zh-TW" altLang="en-US" sz="4800" b="1" dirty="0">
+                <a:solidFill>
+                  <a:srgbClr val="660033"/>
+                </a:solidFill>
+                <a:latin typeface="微軟正黑體" pitchFamily="34" charset="-120"/>
+                <a:ea typeface="微軟正黑體" pitchFamily="34" charset="-120"/>
+              </a:rPr>
+              <a:t>憫沒變遷</a:t>
+            </a:r>
+            <a:endParaRPr lang="en-US" altLang="zh-TW" sz="4800" b="1" dirty="0">
+              <a:solidFill>
+                <a:srgbClr val="660033"/>
+              </a:solidFill>
+              <a:latin typeface="微軟正黑體" pitchFamily="34" charset="-120"/>
+              <a:ea typeface="微軟正黑體" pitchFamily="34" charset="-120"/>
             </a:endParaRPr>
-          </a:p>
-        </p:txBody>
-      </p:sp>
-      <p:sp>
-        <p:nvSpPr>
-          <p:cNvPr id="5" name="內容版面配置區 4"/>
-          <p:cNvSpPr>
-            <a:spLocks noGrp="1"/>
-          </p:cNvSpPr>
-          <p:nvPr>
-            <p:ph idx="1"/>
-          </p:nvPr>
-        </p:nvSpPr>
-        <p:spPr>
-          <a:xfrm>
-            <a:off x="0" y="1200150"/>
-            <a:ext cx="9144000" cy="3943350"/>
-          </a:xfrm>
-        </p:spPr>
-        <p:txBody>
-          <a:bodyPr>
-            <a:noAutofit/>
-          </a:bodyPr>
-          <a:lstStyle/>
-          <a:p>
-            <a:pPr algn="ctr">
-              <a:buNone/>
-            </a:pPr>
-            <a:r>
-              <a:rPr lang="zh-TW" altLang="en-US" sz="4800" b="1" dirty="0">
-                <a:latin typeface="Microsoft JhengHei" pitchFamily="34" charset="-120"/>
-                <a:ea typeface="Microsoft JhengHei" pitchFamily="34" charset="-120"/>
-              </a:rPr>
-              <a:t>永遠都不會動搖  </a:t>
-            </a:r>
-            <a:endParaRPr lang="en-US" altLang="zh-TW" sz="4800" b="1" dirty="0">
-              <a:latin typeface="Microsoft JhengHei" pitchFamily="34" charset="-120"/>
-              <a:ea typeface="Microsoft JhengHei" pitchFamily="34" charset="-120"/>
-            </a:endParaRPr>
-          </a:p>
-          <a:p>
-            <a:pPr algn="ctr">
-              <a:buNone/>
-            </a:pPr>
-            <a:r>
-              <a:rPr lang="zh-TW" altLang="en-US" sz="4800" b="1" dirty="0">
-                <a:latin typeface="Microsoft JhengHei" pitchFamily="34" charset="-120"/>
-                <a:ea typeface="Microsoft JhengHei" pitchFamily="34" charset="-120"/>
-              </a:rPr>
-              <a:t>始終不轉變</a:t>
-            </a:r>
-          </a:p>
-          <a:p>
-            <a:pPr algn="ctr">
-              <a:buNone/>
-            </a:pPr>
-            <a:r>
-              <a:rPr lang="zh-TW" altLang="en-US" sz="4800" b="1" dirty="0">
-                <a:latin typeface="Microsoft JhengHei" pitchFamily="34" charset="-120"/>
-                <a:ea typeface="Microsoft JhengHei" pitchFamily="34" charset="-120"/>
-              </a:rPr>
-              <a:t>恩主的信實似高天</a:t>
-            </a:r>
-            <a:endParaRPr lang="en-US" altLang="zh-TW" sz="4800" b="1" dirty="0">
-              <a:latin typeface="Microsoft JhengHei" pitchFamily="34" charset="-120"/>
-              <a:ea typeface="Microsoft JhengHei" pitchFamily="34" charset="-120"/>
-            </a:endParaRPr>
-          </a:p>
-          <a:p>
-            <a:pPr algn="ctr">
-              <a:buNone/>
-            </a:pPr>
-            <a:r>
-              <a:rPr lang="zh-TW" altLang="en-US" sz="4800" b="1" dirty="0">
-                <a:latin typeface="Microsoft JhengHei" pitchFamily="34" charset="-120"/>
-                <a:ea typeface="Microsoft JhengHei" pitchFamily="34" charset="-120"/>
-              </a:rPr>
-              <a:t>深恩廣闊萬里</a:t>
-            </a:r>
           </a:p>
         </p:txBody>
       </p:sp>
     </p:spTree>
     <p:extLst>
       <p:ext uri="{BB962C8B-B14F-4D97-AF65-F5344CB8AC3E}">
-        <p14:creationId xmlns:p14="http://schemas.microsoft.com/office/powerpoint/2010/main" xmlns="" val="3934286399"/>
+        <p14:creationId xmlns:p14="http://schemas.microsoft.com/office/powerpoint/2010/main" val="2613675305"/>
+      </p:ext>
+    </p:extLst>
+  </p:cSld>
+  <p:clrMapOvr>
+    <a:masterClrMapping/>
+  </p:clrMapOvr>
+</p:sld>
+</file>
+
+<file path=ppt/slides/slide3.xml><?xml version="1.0" encoding="utf-8"?>
+<p:sld xmlns:a="http://schemas.openxmlformats.org/drawingml/2006/main" xmlns:r="http://schemas.openxmlformats.org/officeDocument/2006/relationships" xmlns:p="http://schemas.openxmlformats.org/presentationml/2006/main">
+  <p:cSld>
+    <p:spTree>
+      <p:nvGrpSpPr>
+        <p:cNvPr id="1" name=""/>
+        <p:cNvGrpSpPr/>
+        <p:nvPr/>
+      </p:nvGrpSpPr>
+      <p:grpSpPr>
+        <a:xfrm>
+          <a:off x="0" y="0"/>
+          <a:ext cx="0" cy="0"/>
+          <a:chOff x="0" y="0"/>
+          <a:chExt cx="0" cy="0"/>
+        </a:xfrm>
+      </p:grpSpPr>
+      <p:sp>
+        <p:nvSpPr>
+          <p:cNvPr id="5" name="內容版面配置區 4"/>
+          <p:cNvSpPr>
+            <a:spLocks noGrp="1"/>
+          </p:cNvSpPr>
+          <p:nvPr>
+            <p:ph idx="1"/>
+          </p:nvPr>
+        </p:nvSpPr>
+        <p:spPr>
+          <a:xfrm>
+            <a:off x="0" y="1563639"/>
+            <a:ext cx="9144000" cy="1803647"/>
+          </a:xfrm>
+        </p:spPr>
+        <p:txBody>
+          <a:bodyPr anchor="ctr">
+            <a:normAutofit/>
+          </a:bodyPr>
+          <a:lstStyle/>
+          <a:p>
+            <a:pPr algn="ctr">
+              <a:buNone/>
+            </a:pPr>
+            <a:r>
+              <a:rPr lang="zh-TW" altLang="en-US" sz="4800" b="1" dirty="0">
+                <a:solidFill>
+                  <a:srgbClr val="660033"/>
+                </a:solidFill>
+                <a:latin typeface="微軟正黑體" pitchFamily="34" charset="-120"/>
+                <a:ea typeface="微軟正黑體" pitchFamily="34" charset="-120"/>
+              </a:rPr>
+              <a:t>永遠都不會動搖  </a:t>
+            </a:r>
+            <a:endParaRPr lang="en-US" altLang="zh-TW" sz="4800" b="1" dirty="0">
+              <a:solidFill>
+                <a:srgbClr val="660033"/>
+              </a:solidFill>
+              <a:latin typeface="微軟正黑體" pitchFamily="34" charset="-120"/>
+              <a:ea typeface="微軟正黑體" pitchFamily="34" charset="-120"/>
+            </a:endParaRPr>
+          </a:p>
+          <a:p>
+            <a:pPr algn="ctr">
+              <a:buNone/>
+            </a:pPr>
+            <a:r>
+              <a:rPr lang="zh-TW" altLang="en-US" sz="4800" b="1" dirty="0">
+                <a:solidFill>
+                  <a:srgbClr val="660033"/>
+                </a:solidFill>
+                <a:latin typeface="微軟正黑體" pitchFamily="34" charset="-120"/>
+                <a:ea typeface="微軟正黑體" pitchFamily="34" charset="-120"/>
+              </a:rPr>
+              <a:t>始終不轉變</a:t>
+            </a:r>
+          </a:p>
+        </p:txBody>
+      </p:sp>
+    </p:spTree>
+    <p:extLst>
+      <p:ext uri="{BB962C8B-B14F-4D97-AF65-F5344CB8AC3E}">
+        <p14:creationId xmlns:p14="http://schemas.microsoft.com/office/powerpoint/2010/main" val="2404337829"/>
+      </p:ext>
+    </p:extLst>
+  </p:cSld>
+  <p:clrMapOvr>
+    <a:masterClrMapping/>
+  </p:clrMapOvr>
+</p:sld>
+</file>
+
+<file path=ppt/slides/slide4.xml><?xml version="1.0" encoding="utf-8"?>
+<p:sld xmlns:a="http://schemas.openxmlformats.org/drawingml/2006/main" xmlns:r="http://schemas.openxmlformats.org/officeDocument/2006/relationships" xmlns:p="http://schemas.openxmlformats.org/presentationml/2006/main">
+  <p:cSld>
+    <p:spTree>
+      <p:nvGrpSpPr>
+        <p:cNvPr id="1" name=""/>
+        <p:cNvGrpSpPr/>
+        <p:nvPr/>
+      </p:nvGrpSpPr>
+      <p:grpSpPr>
+        <a:xfrm>
+          <a:off x="0" y="0"/>
+          <a:ext cx="0" cy="0"/>
+          <a:chOff x="0" y="0"/>
+          <a:chExt cx="0" cy="0"/>
+        </a:xfrm>
+      </p:grpSpPr>
+      <p:sp>
+        <p:nvSpPr>
+          <p:cNvPr id="5" name="內容版面配置區 4"/>
+          <p:cNvSpPr>
+            <a:spLocks noGrp="1"/>
+          </p:cNvSpPr>
+          <p:nvPr>
+            <p:ph idx="1"/>
+          </p:nvPr>
+        </p:nvSpPr>
+        <p:spPr>
+          <a:xfrm>
+            <a:off x="0" y="1563639"/>
+            <a:ext cx="9144000" cy="1803647"/>
+          </a:xfrm>
+        </p:spPr>
+        <p:txBody>
+          <a:bodyPr anchor="ctr">
+            <a:normAutofit/>
+          </a:bodyPr>
+          <a:lstStyle/>
+          <a:p>
+            <a:pPr algn="ctr">
+              <a:buNone/>
+            </a:pPr>
+            <a:r>
+              <a:rPr lang="zh-TW" altLang="en-US" sz="4800" b="1" dirty="0">
+                <a:solidFill>
+                  <a:srgbClr val="660033"/>
+                </a:solidFill>
+                <a:latin typeface="微軟正黑體" pitchFamily="34" charset="-120"/>
+                <a:ea typeface="微軟正黑體" pitchFamily="34" charset="-120"/>
+              </a:rPr>
+              <a:t>恩主的信實似高天</a:t>
+            </a:r>
+            <a:endParaRPr lang="en-US" altLang="zh-TW" sz="4800" b="1" dirty="0">
+              <a:solidFill>
+                <a:srgbClr val="660033"/>
+              </a:solidFill>
+              <a:latin typeface="微軟正黑體" pitchFamily="34" charset="-120"/>
+              <a:ea typeface="微軟正黑體" pitchFamily="34" charset="-120"/>
+            </a:endParaRPr>
+          </a:p>
+          <a:p>
+            <a:pPr algn="ctr">
+              <a:buNone/>
+            </a:pPr>
+            <a:r>
+              <a:rPr lang="zh-TW" altLang="en-US" sz="4800" b="1" dirty="0">
+                <a:solidFill>
+                  <a:srgbClr val="660033"/>
+                </a:solidFill>
+                <a:latin typeface="微軟正黑體" pitchFamily="34" charset="-120"/>
+                <a:ea typeface="微軟正黑體" pitchFamily="34" charset="-120"/>
+              </a:rPr>
+              <a:t>深恩廣闊萬里</a:t>
+            </a:r>
+          </a:p>
+        </p:txBody>
+      </p:sp>
+    </p:spTree>
+    <p:extLst>
+      <p:ext uri="{BB962C8B-B14F-4D97-AF65-F5344CB8AC3E}">
+        <p14:creationId xmlns:p14="http://schemas.microsoft.com/office/powerpoint/2010/main" val="3778982916"/>
       </p:ext>
     </p:extLst>
   </p:cSld>
